--- a/项目汇报.pptx
+++ b/项目汇报.pptx
@@ -23407,11 +23407,15 @@
               <a:t>软件工程综合实践</a:t>
             </a:r>
             <a:br>
-              <a:rPr lang="en-US" altLang="zh-CN" dirty="0"/>
+              <a:rPr lang="en-US" altLang="zh-CN"/>
             </a:br>
             <a:r>
+              <a:rPr lang="zh-CN" altLang="en-US" sz="3600"/>
+              <a:t>了</a:t>
+            </a:r>
+            <a:r>
               <a:rPr lang="zh-CN" altLang="en-US" sz="3600" dirty="0"/>
-              <a:t>饿了么外卖平台</a:t>
+              <a:t>么外卖平台</a:t>
             </a:r>
             <a:endParaRPr lang="en-US" dirty="0"/>
           </a:p>
@@ -34139,6 +34143,15 @@
 </file>
 
 <file path=customXml/item2.xml><?xml version="1.0" encoding="utf-8"?>
+<?mso-contentType ?>
+<FormTemplates xmlns="http://schemas.microsoft.com/sharepoint/v3/contenttype/forms">
+  <Display>DocumentLibraryForm</Display>
+  <Edit>DocumentLibraryForm</Edit>
+  <New>DocumentLibraryForm</New>
+</FormTemplates>
+</file>
+
+<file path=customXml/item3.xml><?xml version="1.0" encoding="utf-8"?>
 <p:properties xmlns:p="http://schemas.microsoft.com/office/2006/metadata/properties" xmlns:xsi="http://www.w3.org/2001/XMLSchema-instance" xmlns:pc="http://schemas.microsoft.com/office/infopath/2007/PartnerControls">
   <documentManagement>
     <_ip_UnifiedCompliancePolicyUIAction xmlns="http://schemas.microsoft.com/sharepoint/v3" xsi:nil="true"/>
@@ -34156,15 +34169,6 @@
     <MediaServiceKeyPoints xmlns="71af3243-3dd4-4a8d-8c0d-dd76da1f02a5" xsi:nil="true"/>
   </documentManagement>
 </p:properties>
-</file>
-
-<file path=customXml/item3.xml><?xml version="1.0" encoding="utf-8"?>
-<?mso-contentType ?>
-<FormTemplates xmlns="http://schemas.microsoft.com/sharepoint/v3/contenttype/forms">
-  <Display>DocumentLibraryForm</Display>
-  <Edit>DocumentLibraryForm</Edit>
-  <New>DocumentLibraryForm</New>
-</FormTemplates>
 </file>
 
 <file path=customXml/itemProps1.xml><?xml version="1.0" encoding="utf-8"?>
@@ -34189,6 +34193,14 @@
 </file>
 
 <file path=customXml/itemProps2.xml><?xml version="1.0" encoding="utf-8"?>
+<ds:datastoreItem xmlns:ds="http://schemas.openxmlformats.org/officeDocument/2006/customXml" ds:itemID="{A1D2ED2F-BDEE-47B8-82AA-B088E838B0E6}">
+  <ds:schemaRefs>
+    <ds:schemaRef ds:uri="http://schemas.microsoft.com/sharepoint/v3/contenttype/forms"/>
+  </ds:schemaRefs>
+</ds:datastoreItem>
+</file>
+
+<file path=customXml/itemProps3.xml><?xml version="1.0" encoding="utf-8"?>
 <ds:datastoreItem xmlns:ds="http://schemas.openxmlformats.org/officeDocument/2006/customXml" ds:itemID="{FD7EB4D8-2DC8-4900-B296-3F8E8CD9E6AE}">
   <ds:schemaRefs>
     <ds:schemaRef ds:uri="http://schemas.microsoft.com/office/2006/metadata/properties"/>
@@ -34200,14 +34212,6 @@
 </ds:datastoreItem>
 </file>
 
-<file path=customXml/itemProps3.xml><?xml version="1.0" encoding="utf-8"?>
-<ds:datastoreItem xmlns:ds="http://schemas.openxmlformats.org/officeDocument/2006/customXml" ds:itemID="{A1D2ED2F-BDEE-47B8-82AA-B088E838B0E6}">
-  <ds:schemaRefs>
-    <ds:schemaRef ds:uri="http://schemas.microsoft.com/sharepoint/v3/contenttype/forms"/>
-  </ds:schemaRefs>
-</ds:datastoreItem>
-</file>
-
 <file path=docMetadata/LabelInfo.xml><?xml version="1.0" encoding="utf-8"?>
 <clbl:labelList xmlns:clbl="http://schemas.microsoft.com/office/2020/mipLabelMetadata"/>
 </file>